--- a/Demo/Integration by Part (English).pptx
+++ b/Demo/Integration by Part (English).pptx
@@ -198,7 +198,7 @@
           <a:p>
             <a:fld id="{716D8FB1-BC9B-43D0-A343-A415B4E8A38E}" type="datetimeFigureOut">
               <a:rPr lang="zh-TW" altLang="en-US" smtClean="0"/>
-              <a:t>2017/7/4</a:t>
+              <a:t>2017/8/20</a:t>
             </a:fld>
             <a:endParaRPr lang="zh-TW" altLang="en-US"/>
           </a:p>
@@ -1477,7 +1477,7 @@
           <a:p>
             <a:fld id="{6E994510-3318-439B-AE5C-89A1EEDFB3D2}" type="datetimeFigureOut">
               <a:rPr lang="zh-TW" altLang="en-US" smtClean="0"/>
-              <a:t>2017/7/4</a:t>
+              <a:t>2017/8/20</a:t>
             </a:fld>
             <a:endParaRPr lang="zh-TW" altLang="en-US"/>
           </a:p>
@@ -1647,7 +1647,7 @@
           <a:p>
             <a:fld id="{6E994510-3318-439B-AE5C-89A1EEDFB3D2}" type="datetimeFigureOut">
               <a:rPr lang="zh-TW" altLang="en-US" smtClean="0"/>
-              <a:t>2017/7/4</a:t>
+              <a:t>2017/8/20</a:t>
             </a:fld>
             <a:endParaRPr lang="zh-TW" altLang="en-US"/>
           </a:p>
@@ -1827,7 +1827,7 @@
           <a:p>
             <a:fld id="{6E994510-3318-439B-AE5C-89A1EEDFB3D2}" type="datetimeFigureOut">
               <a:rPr lang="zh-TW" altLang="en-US" smtClean="0"/>
-              <a:t>2017/7/4</a:t>
+              <a:t>2017/8/20</a:t>
             </a:fld>
             <a:endParaRPr lang="zh-TW" altLang="en-US"/>
           </a:p>
@@ -1997,7 +1997,7 @@
           <a:p>
             <a:fld id="{6E994510-3318-439B-AE5C-89A1EEDFB3D2}" type="datetimeFigureOut">
               <a:rPr lang="zh-TW" altLang="en-US" smtClean="0"/>
-              <a:t>2017/7/4</a:t>
+              <a:t>2017/8/20</a:t>
             </a:fld>
             <a:endParaRPr lang="zh-TW" altLang="en-US"/>
           </a:p>
@@ -2243,7 +2243,7 @@
           <a:p>
             <a:fld id="{6E994510-3318-439B-AE5C-89A1EEDFB3D2}" type="datetimeFigureOut">
               <a:rPr lang="zh-TW" altLang="en-US" smtClean="0"/>
-              <a:t>2017/7/4</a:t>
+              <a:t>2017/8/20</a:t>
             </a:fld>
             <a:endParaRPr lang="zh-TW" altLang="en-US"/>
           </a:p>
@@ -2475,7 +2475,7 @@
           <a:p>
             <a:fld id="{6E994510-3318-439B-AE5C-89A1EEDFB3D2}" type="datetimeFigureOut">
               <a:rPr lang="zh-TW" altLang="en-US" smtClean="0"/>
-              <a:t>2017/7/4</a:t>
+              <a:t>2017/8/20</a:t>
             </a:fld>
             <a:endParaRPr lang="zh-TW" altLang="en-US"/>
           </a:p>
@@ -2842,7 +2842,7 @@
           <a:p>
             <a:fld id="{6E994510-3318-439B-AE5C-89A1EEDFB3D2}" type="datetimeFigureOut">
               <a:rPr lang="zh-TW" altLang="en-US" smtClean="0"/>
-              <a:t>2017/7/4</a:t>
+              <a:t>2017/8/20</a:t>
             </a:fld>
             <a:endParaRPr lang="zh-TW" altLang="en-US"/>
           </a:p>
@@ -2960,7 +2960,7 @@
           <a:p>
             <a:fld id="{6E994510-3318-439B-AE5C-89A1EEDFB3D2}" type="datetimeFigureOut">
               <a:rPr lang="zh-TW" altLang="en-US" smtClean="0"/>
-              <a:t>2017/7/4</a:t>
+              <a:t>2017/8/20</a:t>
             </a:fld>
             <a:endParaRPr lang="zh-TW" altLang="en-US"/>
           </a:p>
@@ -3055,7 +3055,7 @@
           <a:p>
             <a:fld id="{6E994510-3318-439B-AE5C-89A1EEDFB3D2}" type="datetimeFigureOut">
               <a:rPr lang="zh-TW" altLang="en-US" smtClean="0"/>
-              <a:t>2017/7/4</a:t>
+              <a:t>2017/8/20</a:t>
             </a:fld>
             <a:endParaRPr lang="zh-TW" altLang="en-US"/>
           </a:p>
@@ -3332,7 +3332,7 @@
           <a:p>
             <a:fld id="{6E994510-3318-439B-AE5C-89A1EEDFB3D2}" type="datetimeFigureOut">
               <a:rPr lang="zh-TW" altLang="en-US" smtClean="0"/>
-              <a:t>2017/7/4</a:t>
+              <a:t>2017/8/20</a:t>
             </a:fld>
             <a:endParaRPr lang="zh-TW" altLang="en-US"/>
           </a:p>
@@ -3585,7 +3585,7 @@
           <a:p>
             <a:fld id="{6E994510-3318-439B-AE5C-89A1EEDFB3D2}" type="datetimeFigureOut">
               <a:rPr lang="zh-TW" altLang="en-US" smtClean="0"/>
-              <a:t>2017/7/4</a:t>
+              <a:t>2017/8/20</a:t>
             </a:fld>
             <a:endParaRPr lang="zh-TW" altLang="en-US"/>
           </a:p>
@@ -3798,7 +3798,7 @@
           <a:p>
             <a:fld id="{6E994510-3318-439B-AE5C-89A1EEDFB3D2}" type="datetimeFigureOut">
               <a:rPr lang="zh-TW" altLang="en-US" smtClean="0"/>
-              <a:t>2017/7/4</a:t>
+              <a:t>2017/8/20</a:t>
             </a:fld>
             <a:endParaRPr lang="zh-TW" altLang="en-US"/>
           </a:p>
